--- a/Aula 3/Aula 03 - Azure Application Insights.pptx
+++ b/Aula 3/Aula 03 - Azure Application Insights.pptx
@@ -1622,7 +1622,7 @@
                   <a:prstClr val="black"/>
                 </a:solidFill>
               </a:rPr>
-              <a:t>1/18/21 9:50 PM</a:t>
+              <a:t>1/18/21 10:18 PM</a:t>
             </a:fld>
             <a:endParaRPr lang="en-US">
               <a:solidFill>
@@ -19281,32 +19281,49 @@
       </p:sp>
       <p:pic>
         <p:nvPicPr>
-          <p:cNvPr id="2" name="Picture 1" descr="Illustration metaphor for lightbulb moment  or powering on ">
+          <p:cNvPr id="1028" name="Picture 4" descr="Setting up Alerts using Application Insights (the new ones) | by Nick  Chapsas | The ASOS Tech Blog | Medium">
             <a:extLst>
               <a:ext uri="{FF2B5EF4-FFF2-40B4-BE49-F238E27FC236}">
-                <a16:creationId xmlns:a16="http://schemas.microsoft.com/office/drawing/2014/main" id="{92B3DC3F-0EE8-4E15-8DCC-E44BF6856F0C}"/>
+                <a16:creationId xmlns:a16="http://schemas.microsoft.com/office/drawing/2014/main" id="{A0A6BBED-3F3D-CB4F-8C99-2C08818CF09E}"/>
               </a:ext>
             </a:extLst>
           </p:cNvPr>
           <p:cNvPicPr>
-            <a:picLocks noChangeAspect="1"/>
+            <a:picLocks noChangeAspect="1" noChangeArrowheads="1"/>
           </p:cNvPicPr>
           <p:nvPr/>
         </p:nvPicPr>
         <p:blipFill>
-          <a:blip r:embed="rId3"/>
+          <a:blip r:embed="rId3">
+            <a:extLst>
+              <a:ext uri="{28A0092B-C50C-407E-A947-70E740481C1C}">
+                <a14:useLocalDpi xmlns:a14="http://schemas.microsoft.com/office/drawing/2010/main" val="0"/>
+              </a:ext>
+            </a:extLst>
+          </a:blip>
+          <a:srcRect/>
           <a:stretch>
             <a:fillRect/>
           </a:stretch>
         </p:blipFill>
-        <p:spPr>
+        <p:spPr bwMode="auto">
           <a:xfrm>
-            <a:off x="494592" y="1678506"/>
-            <a:ext cx="2948946" cy="2911299"/>
+            <a:off x="165652" y="2241027"/>
+            <a:ext cx="4525612" cy="2375946"/>
           </a:xfrm>
           <a:prstGeom prst="rect">
             <a:avLst/>
           </a:prstGeom>
+          <a:noFill/>
+          <a:extLst>
+            <a:ext uri="{909E8E84-426E-40DD-AFC4-6F175D3DCCD1}">
+              <a14:hiddenFill xmlns:a14="http://schemas.microsoft.com/office/drawing/2010/main">
+                <a:solidFill>
+                  <a:srgbClr val="FFFFFF"/>
+                </a:solidFill>
+              </a14:hiddenFill>
+            </a:ext>
+          </a:extLst>
         </p:spPr>
       </p:pic>
     </p:spTree>
@@ -24935,18 +24952,18 @@
 </file>
 
 <file path=customXml/item1.xml><?xml version="1.0" encoding="utf-8"?>
+<p:properties xmlns:p="http://schemas.microsoft.com/office/2006/metadata/properties" xmlns:xsi="http://www.w3.org/2001/XMLSchema-instance" xmlns:pc="http://schemas.microsoft.com/office/infopath/2007/PartnerControls">
+  <documentManagement/>
+</p:properties>
+</file>
+
+<file path=customXml/item2.xml><?xml version="1.0" encoding="utf-8"?>
 <?mso-contentType ?>
 <FormTemplates xmlns="http://schemas.microsoft.com/sharepoint/v3/contenttype/forms">
   <Display>DocumentLibraryForm</Display>
   <Edit>DocumentLibraryForm</Edit>
   <New>DocumentLibraryForm</New>
 </FormTemplates>
-</file>
-
-<file path=customXml/item2.xml><?xml version="1.0" encoding="utf-8"?>
-<p:properties xmlns:p="http://schemas.microsoft.com/office/2006/metadata/properties" xmlns:xsi="http://www.w3.org/2001/XMLSchema-instance" xmlns:pc="http://schemas.microsoft.com/office/infopath/2007/PartnerControls">
-  <documentManagement/>
-</p:properties>
 </file>
 
 <file path=customXml/item3.xml><?xml version="1.0" encoding="utf-8"?>
@@ -25153,14 +25170,6 @@
 </file>
 
 <file path=customXml/itemProps1.xml><?xml version="1.0" encoding="utf-8"?>
-<ds:datastoreItem xmlns:ds="http://schemas.openxmlformats.org/officeDocument/2006/customXml" ds:itemID="{F18501AF-04CF-4482-BAE1-607B49DDC378}">
-  <ds:schemaRefs>
-    <ds:schemaRef ds:uri="http://schemas.microsoft.com/sharepoint/v3/contenttype/forms"/>
-  </ds:schemaRefs>
-</ds:datastoreItem>
-</file>
-
-<file path=customXml/itemProps2.xml><?xml version="1.0" encoding="utf-8"?>
 <ds:datastoreItem xmlns:ds="http://schemas.openxmlformats.org/officeDocument/2006/customXml" ds:itemID="{BAF7D529-36AB-45DA-B239-2F912F2D1610}">
   <ds:schemaRefs>
     <ds:schemaRef ds:uri="http://schemas.microsoft.com/office/infopath/2007/PartnerControls"/>
@@ -25172,6 +25181,14 @@
     <ds:schemaRef ds:uri="78803e8d-9e10-408c-88fd-dc99e6e4d56e"/>
     <ds:schemaRef ds:uri="http://www.w3.org/XML/1998/namespace"/>
     <ds:schemaRef ds:uri="http://purl.org/dc/dcmitype/"/>
+  </ds:schemaRefs>
+</ds:datastoreItem>
+</file>
+
+<file path=customXml/itemProps2.xml><?xml version="1.0" encoding="utf-8"?>
+<ds:datastoreItem xmlns:ds="http://schemas.openxmlformats.org/officeDocument/2006/customXml" ds:itemID="{F18501AF-04CF-4482-BAE1-607B49DDC378}">
+  <ds:schemaRefs>
+    <ds:schemaRef ds:uri="http://schemas.microsoft.com/sharepoint/v3/contenttype/forms"/>
   </ds:schemaRefs>
 </ds:datastoreItem>
 </file>
